--- a/documents/presentation/Präsentation synth dtp2.pptx
+++ b/documents/presentation/Präsentation synth dtp2.pptx
@@ -168,14 +168,6 @@
     </p:extLst>
   </p:cmAuthor>
 </p:cmAuthorLst>
-</file>
-
-<file path=ppt/revisionInfo.xml><?xml version="1.0" encoding="utf-8"?>
-<p1510:revInfo xmlns:a="http://schemas.openxmlformats.org/drawingml/2006/main" xmlns:r="http://schemas.openxmlformats.org/officeDocument/2006/relationships" xmlns:p1510="http://schemas.microsoft.com/office/powerpoint/2015/10/main">
-  <p1510:revLst>
-    <p1510:client id="{014AD4FD-E189-42DE-9621-0445BD04D6EE}" v="2399" dt="2019-06-13T14:24:51.458"/>
-  </p1510:revLst>
-</p1510:revInfo>
 </file>
 
 <file path=ppt/comments/comment1.xml><?xml version="1.0" encoding="utf-8"?>
@@ -2509,7 +2501,7 @@
       <dgm:spPr/>
     </dgm:pt>
     <dgm:pt modelId="{04B2F23F-795A-49A0-9111-33EA735968DC}" type="pres">
-      <dgm:prSet presAssocID="{E18E7382-8C64-48E0-8225-85B70E009A4A}" presName="Accent" presStyleLbl="node1" presStyleIdx="0" presStyleCnt="3"/>
+      <dgm:prSet presAssocID="{E18E7382-8C64-48E0-8225-85B70E009A4A}" presName="Accent" presStyleLbl="node1" presStyleIdx="0" presStyleCnt="3" custLinFactNeighborX="-94277" custLinFactNeighborY="-1779"/>
       <dgm:spPr/>
     </dgm:pt>
     <dgm:pt modelId="{67F7E892-8B7A-47EB-A106-4212FB91D005}" type="pres">
@@ -2523,7 +2515,7 @@
       <dgm:spPr/>
     </dgm:pt>
     <dgm:pt modelId="{F7D7AA90-1E00-41CA-B8F4-6E06988E1387}" type="pres">
-      <dgm:prSet presAssocID="{E18E7382-8C64-48E0-8225-85B70E009A4A}" presName="Parent1" presStyleLbl="revTx" presStyleIdx="1" presStyleCnt="6">
+      <dgm:prSet presAssocID="{E18E7382-8C64-48E0-8225-85B70E009A4A}" presName="Parent1" presStyleLbl="revTx" presStyleIdx="1" presStyleCnt="6" custLinFactX="-69661" custLinFactNeighborX="-100000" custLinFactNeighborY="-6406">
         <dgm:presLayoutVars>
           <dgm:chMax val="1"/>
           <dgm:chPref val="1"/>
@@ -2537,11 +2529,11 @@
       <dgm:spPr/>
     </dgm:pt>
     <dgm:pt modelId="{5FC4E4E0-6DE9-4598-882F-F965454056F9}" type="pres">
-      <dgm:prSet presAssocID="{B27E300C-75CF-4820-A239-21913099249A}" presName="Accent" presStyleLbl="node1" presStyleIdx="1" presStyleCnt="3"/>
+      <dgm:prSet presAssocID="{B27E300C-75CF-4820-A239-21913099249A}" presName="Accent" presStyleLbl="node1" presStyleIdx="1" presStyleCnt="3" custLinFactNeighborX="-94277" custLinFactNeighborY="-1779"/>
       <dgm:spPr/>
     </dgm:pt>
     <dgm:pt modelId="{9C7B07EC-1C53-407B-B6EB-A6BCE50A8BED}" type="pres">
-      <dgm:prSet presAssocID="{B27E300C-75CF-4820-A239-21913099249A}" presName="Child2" presStyleLbl="revTx" presStyleIdx="2" presStyleCnt="6" custScaleX="238947" custScaleY="177885" custLinFactX="21551" custLinFactNeighborX="100000" custLinFactNeighborY="-13131">
+      <dgm:prSet presAssocID="{B27E300C-75CF-4820-A239-21913099249A}" presName="Child2" presStyleLbl="revTx" presStyleIdx="2" presStyleCnt="6" custScaleX="125194" custScaleY="213440" custLinFactNeighborX="-99163" custLinFactNeighborY="-88015">
         <dgm:presLayoutVars>
           <dgm:chMax val="0"/>
           <dgm:chPref val="0"/>
@@ -2551,7 +2543,7 @@
       <dgm:spPr/>
     </dgm:pt>
     <dgm:pt modelId="{E501D4A7-5910-46E5-BD1C-7C3E24014949}" type="pres">
-      <dgm:prSet presAssocID="{B27E300C-75CF-4820-A239-21913099249A}" presName="Parent2" presStyleLbl="revTx" presStyleIdx="3" presStyleCnt="6">
+      <dgm:prSet presAssocID="{B27E300C-75CF-4820-A239-21913099249A}" presName="Parent2" presStyleLbl="revTx" presStyleIdx="3" presStyleCnt="6" custLinFactX="-69661" custLinFactNeighborX="-100000" custLinFactNeighborY="-6406">
         <dgm:presLayoutVars>
           <dgm:chMax val="1"/>
           <dgm:chPref val="1"/>
@@ -2565,11 +2557,11 @@
       <dgm:spPr/>
     </dgm:pt>
     <dgm:pt modelId="{FAB16734-AD0B-4904-BC65-A1F15DA1EAC5}" type="pres">
-      <dgm:prSet presAssocID="{F33B5B19-E7A6-4417-8273-A01484FCBCFC}" presName="Accent" presStyleLbl="node1" presStyleIdx="2" presStyleCnt="3"/>
+      <dgm:prSet presAssocID="{F33B5B19-E7A6-4417-8273-A01484FCBCFC}" presName="Accent" presStyleLbl="node1" presStyleIdx="2" presStyleCnt="3" custLinFactX="-9732" custLinFactNeighborX="-100000" custLinFactNeighborY="-2070"/>
       <dgm:spPr/>
     </dgm:pt>
     <dgm:pt modelId="{4454AB23-FEA6-49FA-A1BF-32CA663AA57A}" type="pres">
-      <dgm:prSet presAssocID="{F33B5B19-E7A6-4417-8273-A01484FCBCFC}" presName="Child3" presStyleLbl="revTx" presStyleIdx="4" presStyleCnt="6" custScaleX="245032" custLinFactNeighborX="78271" custLinFactNeighborY="5905">
+      <dgm:prSet presAssocID="{F33B5B19-E7A6-4417-8273-A01484FCBCFC}" presName="Child3" presStyleLbl="revTx" presStyleIdx="4" presStyleCnt="6" custScaleX="146178" custScaleY="177185" custLinFactX="-34962" custLinFactNeighborX="-100000" custLinFactNeighborY="27330">
         <dgm:presLayoutVars>
           <dgm:chMax val="0"/>
           <dgm:chPref val="0"/>
@@ -2579,7 +2571,7 @@
       <dgm:spPr/>
     </dgm:pt>
     <dgm:pt modelId="{23AB93E6-5896-4FBE-81FB-CD5FAD8D8287}" type="pres">
-      <dgm:prSet presAssocID="{F33B5B19-E7A6-4417-8273-A01484FCBCFC}" presName="Parent3" presStyleLbl="revTx" presStyleIdx="5" presStyleCnt="6">
+      <dgm:prSet presAssocID="{F33B5B19-E7A6-4417-8273-A01484FCBCFC}" presName="Parent3" presStyleLbl="revTx" presStyleIdx="5" presStyleCnt="6" custLinFactX="-69661" custLinFactNeighborX="-100000" custLinFactNeighborY="-6406">
         <dgm:presLayoutVars>
           <dgm:chMax val="1"/>
           <dgm:chPref val="1"/>
@@ -3111,8 +3103,8 @@
       </dsp:nvSpPr>
       <dsp:spPr>
         <a:xfrm>
-          <a:off x="1718823" y="0"/>
-          <a:ext cx="2223092" cy="2223431"/>
+          <a:off x="2001903" y="-41483"/>
+          <a:ext cx="2331486" cy="2331840"/>
         </a:xfrm>
         <a:prstGeom prst="circularArrow">
           <a:avLst>
@@ -3166,8 +3158,8 @@
       </dsp:nvSpPr>
       <dsp:spPr>
         <a:xfrm>
-          <a:off x="3942334" y="662780"/>
-          <a:ext cx="1333855" cy="889557"/>
+          <a:off x="6531883" y="695095"/>
+          <a:ext cx="1398891" cy="932930"/>
         </a:xfrm>
         <a:prstGeom prst="rect">
           <a:avLst/>
@@ -3191,12 +3183,12 @@
         <a:fontRef idx="minor"/>
       </dsp:style>
       <dsp:txBody>
-        <a:bodyPr spcFirstLastPara="0" vert="horz" wrap="square" lIns="13335" tIns="13335" rIns="13335" bIns="13335" numCol="1" spcCol="1270" anchor="ctr" anchorCtr="0">
+        <a:bodyPr spcFirstLastPara="0" vert="horz" wrap="square" lIns="13970" tIns="13970" rIns="13970" bIns="13970" numCol="1" spcCol="1270" anchor="ctr" anchorCtr="0">
           <a:noAutofit/>
         </a:bodyPr>
         <a:lstStyle/>
         <a:p>
-          <a:pPr marL="171450" lvl="1" indent="-171450" algn="l" defTabSz="711200">
+          <a:pPr marL="171450" lvl="1" indent="-171450" algn="l" defTabSz="755650">
             <a:lnSpc>
               <a:spcPct val="90000"/>
             </a:lnSpc>
@@ -3208,12 +3200,12 @@
             </a:spcAft>
             <a:buChar char="•"/>
           </a:pPr>
-          <a:endParaRPr lang="de-CH" sz="1600" kern="1200" dirty="0"/>
+          <a:endParaRPr lang="de-CH" sz="1700" kern="1200" dirty="0"/>
         </a:p>
       </dsp:txBody>
       <dsp:txXfrm>
-        <a:off x="3942334" y="662780"/>
-        <a:ext cx="1333855" cy="889557"/>
+        <a:off x="6531883" y="695095"/>
+        <a:ext cx="1398891" cy="932930"/>
       </dsp:txXfrm>
     </dsp:sp>
     <dsp:sp modelId="{F7D7AA90-1E00-41CA-B8F4-6E06988E1387}">
@@ -3223,8 +3215,8 @@
       </dsp:nvSpPr>
       <dsp:spPr>
         <a:xfrm>
-          <a:off x="2210200" y="802726"/>
-          <a:ext cx="1235329" cy="617517"/>
+          <a:off x="2517230" y="800378"/>
+          <a:ext cx="1295561" cy="647625"/>
         </a:xfrm>
         <a:prstGeom prst="rect">
           <a:avLst/>
@@ -3248,12 +3240,12 @@
         <a:fontRef idx="minor"/>
       </dsp:style>
       <dsp:txBody>
-        <a:bodyPr spcFirstLastPara="0" vert="horz" wrap="square" lIns="13335" tIns="13335" rIns="13335" bIns="13335" numCol="1" spcCol="1270" anchor="ctr" anchorCtr="0">
+        <a:bodyPr spcFirstLastPara="0" vert="horz" wrap="square" lIns="13970" tIns="13970" rIns="13970" bIns="13970" numCol="1" spcCol="1270" anchor="ctr" anchorCtr="0">
           <a:noAutofit/>
         </a:bodyPr>
         <a:lstStyle/>
         <a:p>
-          <a:pPr marL="0" lvl="0" indent="0" algn="ctr" defTabSz="933450">
+          <a:pPr marL="0" lvl="0" indent="0" algn="ctr" defTabSz="977900">
             <a:lnSpc>
               <a:spcPct val="90000"/>
             </a:lnSpc>
@@ -3266,14 +3258,14 @@
             <a:buNone/>
           </a:pPr>
           <a:r>
-            <a:rPr lang="de-CH" sz="2100" kern="1200" dirty="0"/>
+            <a:rPr lang="de-CH" sz="2200" kern="1200" dirty="0"/>
             <a:t>Coding</a:t>
           </a:r>
         </a:p>
       </dsp:txBody>
       <dsp:txXfrm>
-        <a:off x="2210200" y="802726"/>
-        <a:ext cx="1235329" cy="617517"/>
+        <a:off x="2517230" y="800378"/>
+        <a:ext cx="1295561" cy="647625"/>
       </dsp:txXfrm>
     </dsp:sp>
     <dsp:sp modelId="{5FC4E4E0-6DE9-4598-882F-F965454056F9}">
@@ -3283,8 +3275,8 @@
       </dsp:nvSpPr>
       <dsp:spPr>
         <a:xfrm>
-          <a:off x="1101367" y="1277526"/>
-          <a:ext cx="2223092" cy="2223431"/>
+          <a:off x="1354341" y="1298332"/>
+          <a:ext cx="2331486" cy="2331840"/>
         </a:xfrm>
         <a:prstGeom prst="leftCircularArrow">
           <a:avLst>
@@ -3338,8 +3330,8 @@
       </dsp:nvSpPr>
       <dsp:spPr>
         <a:xfrm>
-          <a:off x="4019099" y="1484472"/>
-          <a:ext cx="3187208" cy="1582388"/>
+          <a:off x="4320481" y="692385"/>
+          <a:ext cx="1751328" cy="1991246"/>
         </a:xfrm>
         <a:prstGeom prst="rect">
           <a:avLst/>
@@ -3442,8 +3434,8 @@
         </a:p>
       </dsp:txBody>
       <dsp:txXfrm>
-        <a:off x="4019099" y="1484472"/>
-        <a:ext cx="3187208" cy="1582388"/>
+        <a:off x="4320481" y="692385"/>
+        <a:ext cx="1751328" cy="1991246"/>
       </dsp:txXfrm>
     </dsp:sp>
     <dsp:sp modelId="{E501D4A7-5910-46E5-BD1C-7C3E24014949}">
@@ -3453,8 +3445,8 @@
       </dsp:nvSpPr>
       <dsp:spPr>
         <a:xfrm>
-          <a:off x="1595248" y="2087642"/>
-          <a:ext cx="1235329" cy="617517"/>
+          <a:off x="1872295" y="2147944"/>
+          <a:ext cx="1295561" cy="647625"/>
         </a:xfrm>
         <a:prstGeom prst="rect">
           <a:avLst/>
@@ -3478,12 +3470,12 @@
         <a:fontRef idx="minor"/>
       </dsp:style>
       <dsp:txBody>
-        <a:bodyPr spcFirstLastPara="0" vert="horz" wrap="square" lIns="13335" tIns="13335" rIns="13335" bIns="13335" numCol="1" spcCol="1270" anchor="ctr" anchorCtr="0">
+        <a:bodyPr spcFirstLastPara="0" vert="horz" wrap="square" lIns="13970" tIns="13970" rIns="13970" bIns="13970" numCol="1" spcCol="1270" anchor="ctr" anchorCtr="0">
           <a:noAutofit/>
         </a:bodyPr>
         <a:lstStyle/>
         <a:p>
-          <a:pPr marL="0" lvl="0" indent="0" algn="ctr" defTabSz="933450">
+          <a:pPr marL="0" lvl="0" indent="0" algn="ctr" defTabSz="977900">
             <a:lnSpc>
               <a:spcPct val="90000"/>
             </a:lnSpc>
@@ -3496,14 +3488,14 @@
             <a:buNone/>
           </a:pPr>
           <a:r>
-            <a:rPr lang="de-CH" sz="2100" kern="1200" dirty="0"/>
+            <a:rPr lang="de-CH" sz="2200" kern="1200" dirty="0"/>
             <a:t>Simulation</a:t>
           </a:r>
         </a:p>
       </dsp:txBody>
       <dsp:txXfrm>
-        <a:off x="1595248" y="2087642"/>
-        <a:ext cx="1235329" cy="617517"/>
+        <a:off x="1872295" y="2147944"/>
+        <a:ext cx="1295561" cy="647625"/>
       </dsp:txXfrm>
     </dsp:sp>
     <dsp:sp modelId="{FAB16734-AD0B-4904-BC65-A1F15DA1EAC5}">
@@ -3513,8 +3505,8 @@
       </dsp:nvSpPr>
       <dsp:spPr>
         <a:xfrm>
-          <a:off x="1877049" y="2707930"/>
-          <a:ext cx="1909981" cy="1910746"/>
+          <a:off x="2167849" y="2798482"/>
+          <a:ext cx="2003107" cy="2003910"/>
         </a:xfrm>
         <a:prstGeom prst="blockArc">
           <a:avLst>
@@ -3566,8 +3558,8 @@
       </dsp:nvSpPr>
       <dsp:spPr>
         <a:xfrm>
-          <a:off x="4019097" y="3284678"/>
-          <a:ext cx="3268373" cy="889557"/>
+          <a:off x="4320920" y="3190861"/>
+          <a:ext cx="2044871" cy="1653012"/>
         </a:xfrm>
         <a:prstGeom prst="rect">
           <a:avLst/>
@@ -3617,8 +3609,8 @@
         </a:p>
       </dsp:txBody>
       <dsp:txXfrm>
-        <a:off x="4019097" y="3284678"/>
-        <a:ext cx="3268373" cy="889557"/>
+        <a:off x="4320920" y="3190861"/>
+        <a:ext cx="2044871" cy="1653012"/>
       </dsp:txXfrm>
     </dsp:sp>
     <dsp:sp modelId="{23AB93E6-5896-4FBE-81FB-CD5FAD8D8287}">
@@ -3628,8 +3620,8 @@
       </dsp:nvSpPr>
       <dsp:spPr>
         <a:xfrm>
-          <a:off x="2213122" y="3374405"/>
-          <a:ext cx="1235329" cy="617517"/>
+          <a:off x="2520295" y="3497447"/>
+          <a:ext cx="1295561" cy="647625"/>
         </a:xfrm>
         <a:prstGeom prst="rect">
           <a:avLst/>
@@ -3653,12 +3645,12 @@
         <a:fontRef idx="minor"/>
       </dsp:style>
       <dsp:txBody>
-        <a:bodyPr spcFirstLastPara="0" vert="horz" wrap="square" lIns="13335" tIns="13335" rIns="13335" bIns="13335" numCol="1" spcCol="1270" anchor="ctr" anchorCtr="0">
+        <a:bodyPr spcFirstLastPara="0" vert="horz" wrap="square" lIns="13970" tIns="13970" rIns="13970" bIns="13970" numCol="1" spcCol="1270" anchor="ctr" anchorCtr="0">
           <a:noAutofit/>
         </a:bodyPr>
         <a:lstStyle/>
         <a:p>
-          <a:pPr marL="0" lvl="0" indent="0" algn="ctr" defTabSz="933450">
+          <a:pPr marL="0" lvl="0" indent="0" algn="ctr" defTabSz="977900">
             <a:lnSpc>
               <a:spcPct val="90000"/>
             </a:lnSpc>
@@ -3671,14 +3663,14 @@
             <a:buNone/>
           </a:pPr>
           <a:r>
-            <a:rPr lang="de-CH" sz="2100" kern="1200" dirty="0"/>
+            <a:rPr lang="de-CH" sz="2200" kern="1200" dirty="0"/>
             <a:t>Debugging</a:t>
           </a:r>
         </a:p>
       </dsp:txBody>
       <dsp:txXfrm>
-        <a:off x="2213122" y="3374405"/>
-        <a:ext cx="1235329" cy="617517"/>
+        <a:off x="2520295" y="3497447"/>
+        <a:ext cx="1295561" cy="647625"/>
       </dsp:txXfrm>
     </dsp:sp>
   </dsp:spTree>
@@ -18248,14 +18240,14 @@
           <p:nvPr>
             <p:extLst>
               <p:ext uri="{D42A27DB-BD31-4B8C-83A1-F6EECF244321}">
-                <p14:modId xmlns:p14="http://schemas.microsoft.com/office/powerpoint/2010/main" val="994299134"/>
+                <p14:modId xmlns:p14="http://schemas.microsoft.com/office/powerpoint/2010/main" val="2650413811"/>
               </p:ext>
             </p:extLst>
           </p:nvPr>
         </p:nvGraphicFramePr>
         <p:xfrm>
           <a:off x="-98276" y="1512478"/>
-          <a:ext cx="7344816" cy="4618677"/>
+          <a:ext cx="11806162" cy="4843874"/>
         </p:xfrm>
         <a:graphic>
           <a:graphicData uri="http://schemas.openxmlformats.org/drawingml/2006/diagram">
@@ -18356,6 +18348,42 @@
           </a:p>
         </p:txBody>
       </p:sp>
+      <p:pic>
+        <p:nvPicPr>
+          <p:cNvPr id="14" name="Grafik 13" descr="Ein Bild, das Screenshot enthält.&#10;&#10;Mit sehr hoher Zuverlässigkeit generierte Beschreibung">
+            <a:extLst>
+              <a:ext uri="{FF2B5EF4-FFF2-40B4-BE49-F238E27FC236}">
+                <a16:creationId xmlns:a16="http://schemas.microsoft.com/office/drawing/2014/main" id="{7739892E-02E4-4530-9E46-069666C5DDBA}"/>
+              </a:ext>
+            </a:extLst>
+          </p:cNvPr>
+          <p:cNvPicPr>
+            <a:picLocks noChangeAspect="1"/>
+          </p:cNvPicPr>
+          <p:nvPr/>
+        </p:nvPicPr>
+        <p:blipFill>
+          <a:blip r:embed="rId7" cstate="print">
+            <a:extLst>
+              <a:ext uri="{28A0092B-C50C-407E-A947-70E740481C1C}">
+                <a14:useLocalDpi xmlns:a14="http://schemas.microsoft.com/office/drawing/2010/main" val="0"/>
+              </a:ext>
+            </a:extLst>
+          </a:blip>
+          <a:stretch>
+            <a:fillRect/>
+          </a:stretch>
+        </p:blipFill>
+        <p:spPr>
+          <a:xfrm>
+            <a:off x="6478778" y="2097772"/>
+            <a:ext cx="5352531" cy="2662456"/>
+          </a:xfrm>
+          <a:prstGeom prst="rect">
+            <a:avLst/>
+          </a:prstGeom>
+        </p:spPr>
+      </p:pic>
     </p:spTree>
     <p:extLst>
       <p:ext uri="{BB962C8B-B14F-4D97-AF65-F5344CB8AC3E}">
@@ -24745,14 +24773,14 @@
 <ds:datastoreItem xmlns:ds="http://schemas.openxmlformats.org/officeDocument/2006/customXml" ds:itemID="{60C67BEE-D13F-4BD2-98A5-34D8A0977F68}">
   <ds:schemaRefs>
     <ds:schemaRef ds:uri="http://purl.org/dc/elements/1.1/"/>
+    <ds:schemaRef ds:uri="http://schemas.microsoft.com/office/2006/documentManagement/types"/>
+    <ds:schemaRef ds:uri="http://www.w3.org/XML/1998/namespace"/>
+    <ds:schemaRef ds:uri="http://purl.org/dc/terms/"/>
+    <ds:schemaRef ds:uri="http://schemas.microsoft.com/office/2006/metadata/properties"/>
+    <ds:schemaRef ds:uri="http://purl.org/dc/dcmitype/"/>
+    <ds:schemaRef ds:uri="http://schemas.microsoft.com/office/infopath/2007/PartnerControls"/>
     <ds:schemaRef ds:uri="http://schemas.openxmlformats.org/package/2006/metadata/core-properties"/>
-    <ds:schemaRef ds:uri="http://www.w3.org/XML/1998/namespace"/>
-    <ds:schemaRef ds:uri="http://schemas.microsoft.com/office/2006/documentManagement/types"/>
-    <ds:schemaRef ds:uri="http://schemas.microsoft.com/office/2006/metadata/properties"/>
     <ds:schemaRef ds:uri="4873beb7-5857-4685-be1f-d57550cc96cc"/>
-    <ds:schemaRef ds:uri="http://schemas.microsoft.com/office/infopath/2007/PartnerControls"/>
-    <ds:schemaRef ds:uri="http://purl.org/dc/dcmitype/"/>
-    <ds:schemaRef ds:uri="http://purl.org/dc/terms/"/>
   </ds:schemaRefs>
 </ds:datastoreItem>
 </file>